--- a/爬蟲與redis.pptx
+++ b/爬蟲與redis.pptx
@@ -16,17 +16,19 @@
     <p:sldId id="260" r:id="rId10"/>
     <p:sldId id="261" r:id="rId11"/>
     <p:sldId id="262" r:id="rId12"/>
-    <p:sldId id="273" r:id="rId13"/>
-    <p:sldId id="266" r:id="rId14"/>
-    <p:sldId id="270" r:id="rId15"/>
-    <p:sldId id="268" r:id="rId16"/>
-    <p:sldId id="269" r:id="rId17"/>
-    <p:sldId id="267" r:id="rId18"/>
-    <p:sldId id="274" r:id="rId19"/>
-    <p:sldId id="275" r:id="rId20"/>
-    <p:sldId id="276" r:id="rId21"/>
-    <p:sldId id="277" r:id="rId22"/>
-    <p:sldId id="278" r:id="rId23"/>
+    <p:sldId id="279" r:id="rId13"/>
+    <p:sldId id="273" r:id="rId14"/>
+    <p:sldId id="266" r:id="rId15"/>
+    <p:sldId id="270" r:id="rId16"/>
+    <p:sldId id="268" r:id="rId17"/>
+    <p:sldId id="269" r:id="rId18"/>
+    <p:sldId id="267" r:id="rId19"/>
+    <p:sldId id="274" r:id="rId20"/>
+    <p:sldId id="275" r:id="rId21"/>
+    <p:sldId id="276" r:id="rId22"/>
+    <p:sldId id="280" r:id="rId23"/>
+    <p:sldId id="277" r:id="rId24"/>
+    <p:sldId id="278" r:id="rId25"/>
   </p:sldIdLst>
   <p:sldSz cx="9144000" cy="6858000" type="screen4x3"/>
   <p:notesSz cx="6858000" cy="9144000"/>
@@ -3921,7 +3923,7 @@
           <a:p>
             <a:fld id="{6525B4F9-5B8D-4AFC-9E75-0E6AA5C7204A}" type="datetimeFigureOut">
               <a:rPr lang="zh-TW" altLang="en-US" smtClean="0"/>
-              <a:t>2016/8/18</a:t>
+              <a:t>2016/8/19</a:t>
             </a:fld>
             <a:endParaRPr lang="zh-TW" altLang="en-US"/>
           </a:p>
@@ -4104,7 +4106,7 @@
           <a:p>
             <a:fld id="{6525B4F9-5B8D-4AFC-9E75-0E6AA5C7204A}" type="datetimeFigureOut">
               <a:rPr lang="zh-TW" altLang="en-US" smtClean="0"/>
-              <a:t>2016/8/18</a:t>
+              <a:t>2016/8/19</a:t>
             </a:fld>
             <a:endParaRPr lang="zh-TW" altLang="en-US"/>
           </a:p>
@@ -4279,7 +4281,7 @@
           <a:p>
             <a:fld id="{6525B4F9-5B8D-4AFC-9E75-0E6AA5C7204A}" type="datetimeFigureOut">
               <a:rPr lang="zh-TW" altLang="en-US" smtClean="0"/>
-              <a:t>2016/8/18</a:t>
+              <a:t>2016/8/19</a:t>
             </a:fld>
             <a:endParaRPr lang="zh-TW" altLang="en-US"/>
           </a:p>
@@ -4444,7 +4446,7 @@
           <a:p>
             <a:fld id="{6525B4F9-5B8D-4AFC-9E75-0E6AA5C7204A}" type="datetimeFigureOut">
               <a:rPr lang="zh-TW" altLang="en-US" smtClean="0"/>
-              <a:t>2016/8/18</a:t>
+              <a:t>2016/8/19</a:t>
             </a:fld>
             <a:endParaRPr lang="zh-TW" altLang="en-US"/>
           </a:p>
@@ -4665,7 +4667,7 @@
           <a:p>
             <a:fld id="{6525B4F9-5B8D-4AFC-9E75-0E6AA5C7204A}" type="datetimeFigureOut">
               <a:rPr lang="zh-TW" altLang="en-US" smtClean="0"/>
-              <a:t>2016/8/18</a:t>
+              <a:t>2016/8/19</a:t>
             </a:fld>
             <a:endParaRPr lang="zh-TW" altLang="en-US"/>
           </a:p>
@@ -4924,7 +4926,7 @@
           <a:p>
             <a:fld id="{6525B4F9-5B8D-4AFC-9E75-0E6AA5C7204A}" type="datetimeFigureOut">
               <a:rPr lang="zh-TW" altLang="en-US" smtClean="0"/>
-              <a:t>2016/8/18</a:t>
+              <a:t>2016/8/19</a:t>
             </a:fld>
             <a:endParaRPr lang="zh-TW" altLang="en-US"/>
           </a:p>
@@ -5328,7 +5330,7 @@
           <a:p>
             <a:fld id="{6525B4F9-5B8D-4AFC-9E75-0E6AA5C7204A}" type="datetimeFigureOut">
               <a:rPr lang="zh-TW" altLang="en-US" smtClean="0"/>
-              <a:t>2016/8/18</a:t>
+              <a:t>2016/8/19</a:t>
             </a:fld>
             <a:endParaRPr lang="zh-TW" altLang="en-US"/>
           </a:p>
@@ -5459,7 +5461,7 @@
           <a:p>
             <a:fld id="{6525B4F9-5B8D-4AFC-9E75-0E6AA5C7204A}" type="datetimeFigureOut">
               <a:rPr lang="zh-TW" altLang="en-US" smtClean="0"/>
-              <a:t>2016/8/18</a:t>
+              <a:t>2016/8/19</a:t>
             </a:fld>
             <a:endParaRPr lang="zh-TW" altLang="en-US"/>
           </a:p>
@@ -5559,7 +5561,7 @@
           <a:p>
             <a:fld id="{6525B4F9-5B8D-4AFC-9E75-0E6AA5C7204A}" type="datetimeFigureOut">
               <a:rPr lang="zh-TW" altLang="en-US" smtClean="0"/>
-              <a:t>2016/8/18</a:t>
+              <a:t>2016/8/19</a:t>
             </a:fld>
             <a:endParaRPr lang="zh-TW" altLang="en-US"/>
           </a:p>
@@ -5804,7 +5806,7 @@
           <a:p>
             <a:fld id="{6525B4F9-5B8D-4AFC-9E75-0E6AA5C7204A}" type="datetimeFigureOut">
               <a:rPr lang="zh-TW" altLang="en-US" smtClean="0"/>
-              <a:t>2016/8/18</a:t>
+              <a:t>2016/8/19</a:t>
             </a:fld>
             <a:endParaRPr lang="zh-TW" altLang="en-US"/>
           </a:p>
@@ -6048,7 +6050,7 @@
           <a:p>
             <a:fld id="{6525B4F9-5B8D-4AFC-9E75-0E6AA5C7204A}" type="datetimeFigureOut">
               <a:rPr lang="zh-TW" altLang="en-US" smtClean="0"/>
-              <a:t>2016/8/18</a:t>
+              <a:t>2016/8/19</a:t>
             </a:fld>
             <a:endParaRPr lang="zh-TW" altLang="en-US"/>
           </a:p>
@@ -6872,7 +6874,7 @@
           <a:p>
             <a:fld id="{6525B4F9-5B8D-4AFC-9E75-0E6AA5C7204A}" type="datetimeFigureOut">
               <a:rPr lang="zh-TW" altLang="en-US" smtClean="0"/>
-              <a:t>2016/8/18</a:t>
+              <a:t>2016/8/19</a:t>
             </a:fld>
             <a:endParaRPr lang="zh-TW" altLang="en-US"/>
           </a:p>
@@ -7566,8 +7568,12 @@
           <a:lstStyle/>
           <a:p>
             <a:r>
-              <a:rPr lang="en-US" altLang="zh-TW" dirty="0" err="1"/>
-              <a:t>NoSQL</a:t>
+              <a:rPr lang="zh-TW" altLang="en-US" dirty="0"/>
+              <a:t>程式</a:t>
+            </a:r>
+            <a:r>
+              <a:rPr lang="zh-TW" altLang="en-US" dirty="0" smtClean="0"/>
+              <a:t>心得</a:t>
             </a:r>
             <a:endParaRPr lang="zh-TW" altLang="en-US" dirty="0"/>
           </a:p>
@@ -7585,86 +7591,130 @@
         </p:nvSpPr>
         <p:spPr/>
         <p:txBody>
-          <a:bodyPr/>
-          <a:lstStyle/>
-          <a:p>
+          <a:bodyPr>
+            <a:normAutofit fontScale="92500" lnSpcReduction="10000"/>
+          </a:bodyPr>
+          <a:lstStyle/>
+          <a:p>
+            <a:r>
+              <a:rPr lang="zh-TW" altLang="en-US" dirty="0" smtClean="0"/>
+              <a:t>一開始大家都用</a:t>
+            </a:r>
             <a:r>
               <a:rPr lang="en-US" altLang="zh-TW" dirty="0" smtClean="0"/>
-              <a:t>1.Key-Value</a:t>
+              <a:t>curl</a:t>
+            </a:r>
+            <a:r>
+              <a:rPr lang="zh-TW" altLang="en-US" dirty="0" smtClean="0"/>
+              <a:t>，我就在想有沒有其他方法，然後就上網找了有關於爬蟲的程式，發現到許多不同語言的，不過我目前只試過跨域的</a:t>
+            </a:r>
+            <a:r>
+              <a:rPr lang="en-US" altLang="zh-TW" dirty="0" smtClean="0"/>
+              <a:t>JSONP</a:t>
+            </a:r>
+            <a:r>
+              <a:rPr lang="zh-TW" altLang="en-US" dirty="0" smtClean="0"/>
+              <a:t>、</a:t>
+            </a:r>
+            <a:r>
+              <a:rPr lang="en-US" altLang="zh-TW" dirty="0" err="1" smtClean="0"/>
+              <a:t>File_get_contents</a:t>
             </a:r>
             <a:r>
               <a:rPr lang="zh-TW" altLang="en-US" dirty="0"/>
-              <a:t>，如</a:t>
-            </a:r>
-            <a:r>
-              <a:rPr lang="en-US" altLang="zh-TW" dirty="0" err="1"/>
-              <a:t>Redis</a:t>
+              <a:t>和</a:t>
+            </a:r>
+            <a:r>
+              <a:rPr lang="en-US" altLang="zh-TW" dirty="0" smtClean="0"/>
+              <a:t>CURL</a:t>
+            </a:r>
+            <a:r>
+              <a:rPr lang="zh-TW" altLang="en-US" dirty="0" smtClean="0"/>
+              <a:t>，發現</a:t>
+            </a:r>
+            <a:r>
+              <a:rPr lang="en-US" altLang="zh-TW" dirty="0" smtClean="0"/>
+              <a:t>JSONP</a:t>
             </a:r>
             <a:r>
               <a:rPr lang="zh-TW" altLang="en-US" dirty="0"/>
-              <a:t>。</a:t>
-            </a:r>
-          </a:p>
-          <a:p>
-            <a:r>
-              <a:rPr lang="en-US" altLang="zh-TW" dirty="0"/>
-              <a:t>2.Document-Oriented</a:t>
+              <a:t>會因為回傳的格式</a:t>
+            </a:r>
+            <a:r>
+              <a:rPr lang="zh-TW" altLang="en-US" dirty="0" smtClean="0"/>
+              <a:t>不是</a:t>
+            </a:r>
+            <a:r>
+              <a:rPr lang="en-US" altLang="zh-TW" dirty="0" smtClean="0"/>
+              <a:t>JSON</a:t>
+            </a:r>
+            <a:r>
+              <a:rPr lang="zh-TW" altLang="en-US" dirty="0" smtClean="0"/>
+              <a:t>而無法成功；</a:t>
+            </a:r>
+            <a:r>
+              <a:rPr lang="en-US" altLang="zh-TW" dirty="0" err="1" smtClean="0"/>
+              <a:t>File_get_contents</a:t>
+            </a:r>
+            <a:r>
+              <a:rPr lang="zh-TW" altLang="en-US" dirty="0" smtClean="0"/>
+              <a:t>要先抓取該網站回應的</a:t>
+            </a:r>
+            <a:r>
+              <a:rPr lang="en-US" altLang="zh-TW" dirty="0" smtClean="0"/>
+              <a:t>header</a:t>
+            </a:r>
+            <a:r>
+              <a:rPr lang="zh-TW" altLang="en-US" dirty="0" smtClean="0"/>
+              <a:t>，才能成功抓取資料；</a:t>
+            </a:r>
+            <a:r>
+              <a:rPr lang="en-US" altLang="zh-TW" dirty="0" smtClean="0"/>
+              <a:t>curl</a:t>
+            </a:r>
+            <a:r>
+              <a:rPr lang="zh-TW" altLang="en-US" dirty="0" smtClean="0"/>
+              <a:t>一開始我試著設定</a:t>
+            </a:r>
+            <a:r>
+              <a:rPr lang="en-US" altLang="zh-TW" dirty="0" smtClean="0"/>
+              <a:t>Agent</a:t>
+            </a:r>
+            <a:r>
+              <a:rPr lang="zh-TW" altLang="en-US" dirty="0" smtClean="0"/>
+              <a:t>抓取資料結果無法，才用抓取</a:t>
+            </a:r>
+            <a:r>
+              <a:rPr lang="en-US" altLang="zh-TW" dirty="0" smtClean="0"/>
+              <a:t>cookie</a:t>
+            </a:r>
+            <a:r>
+              <a:rPr lang="zh-TW" altLang="en-US" dirty="0" smtClean="0"/>
+              <a:t>來取得。</a:t>
+            </a:r>
+            <a:endParaRPr lang="en-US" altLang="zh-TW" dirty="0" smtClean="0"/>
+          </a:p>
+          <a:p>
+            <a:r>
+              <a:rPr lang="zh-TW" altLang="en-US" dirty="0" smtClean="0"/>
+              <a:t>在</a:t>
             </a:r>
             <a:r>
               <a:rPr lang="zh-TW" altLang="en-US" dirty="0"/>
-              <a:t>，如</a:t>
-            </a:r>
-            <a:r>
-              <a:rPr lang="en-US" altLang="zh-TW" dirty="0" err="1"/>
-              <a:t>MongoDB</a:t>
-            </a:r>
-            <a:r>
-              <a:rPr lang="zh-TW" altLang="en-US" dirty="0"/>
-              <a:t>。</a:t>
-            </a:r>
-          </a:p>
-          <a:p>
-            <a:r>
-              <a:rPr lang="en-US" altLang="zh-TW" dirty="0"/>
-              <a:t>3.Wide Column Store</a:t>
-            </a:r>
-            <a:r>
-              <a:rPr lang="zh-TW" altLang="en-US" dirty="0"/>
-              <a:t>，如</a:t>
-            </a:r>
-            <a:r>
-              <a:rPr lang="en-US" altLang="zh-TW" dirty="0"/>
-              <a:t>Cassandra</a:t>
-            </a:r>
-            <a:r>
-              <a:rPr lang="zh-TW" altLang="en-US" dirty="0"/>
-              <a:t>。</a:t>
-            </a:r>
-          </a:p>
-          <a:p>
-            <a:r>
-              <a:rPr lang="en-US" altLang="zh-TW" dirty="0"/>
-              <a:t>4.Graph-Oriented</a:t>
-            </a:r>
-            <a:r>
-              <a:rPr lang="zh-TW" altLang="en-US" dirty="0"/>
-              <a:t>，如</a:t>
-            </a:r>
-            <a:r>
-              <a:rPr lang="en-US" altLang="zh-TW" dirty="0"/>
-              <a:t>Neo4J</a:t>
-            </a:r>
-            <a:r>
-              <a:rPr lang="zh-TW" altLang="en-US" dirty="0"/>
-              <a:t>。</a:t>
-            </a:r>
+              <a:t>這次過程中，了解到許多爬蟲</a:t>
+            </a:r>
+            <a:r>
+              <a:rPr lang="zh-TW" altLang="en-US" dirty="0" smtClean="0"/>
+              <a:t>程式和通訊協定的資料，很新奇的體驗，也了解到自己對於通訊協定的不足，可能對於這方面還要進行加強。</a:t>
+            </a:r>
+            <a:endParaRPr lang="zh-TW" altLang="en-US" dirty="0"/>
           </a:p>
         </p:txBody>
       </p:sp>
     </p:spTree>
     <p:extLst>
       <p:ext uri="{BB962C8B-B14F-4D97-AF65-F5344CB8AC3E}">
-        <p14:creationId xmlns:p14="http://schemas.microsoft.com/office/powerpoint/2010/main" val="2167084744"/>
+        <p14:creationId xmlns:p14="http://schemas.microsoft.com/office/powerpoint/2010/main" val="2146242320"/>
       </p:ext>
     </p:extLst>
   </p:cSld>
@@ -7707,8 +7757,8 @@
           <a:lstStyle/>
           <a:p>
             <a:r>
-              <a:rPr lang="en-US" altLang="zh-TW" dirty="0" err="1" smtClean="0"/>
-              <a:t>Redis</a:t>
+              <a:rPr lang="en-US" altLang="zh-TW" dirty="0" err="1"/>
+              <a:t>NoSQL</a:t>
             </a:r>
             <a:endParaRPr lang="zh-TW" altLang="en-US" dirty="0"/>
           </a:p>
@@ -7731,14 +7781,155 @@
           <a:p>
             <a:r>
               <a:rPr lang="en-US" altLang="zh-TW" dirty="0" smtClean="0"/>
-              <a:t>in-memory</a:t>
-            </a:r>
-          </a:p>
+              <a:t>1.Key-Value</a:t>
+            </a:r>
+            <a:r>
+              <a:rPr lang="zh-TW" altLang="en-US" dirty="0"/>
+              <a:t>，如</a:t>
+            </a:r>
+            <a:r>
+              <a:rPr lang="en-US" altLang="zh-TW" dirty="0" err="1"/>
+              <a:t>Redis</a:t>
+            </a:r>
+            <a:r>
+              <a:rPr lang="zh-TW" altLang="en-US" dirty="0"/>
+              <a:t>。</a:t>
+            </a:r>
+          </a:p>
+          <a:p>
+            <a:r>
+              <a:rPr lang="en-US" altLang="zh-TW" dirty="0"/>
+              <a:t>2.Document-Oriented</a:t>
+            </a:r>
+            <a:r>
+              <a:rPr lang="zh-TW" altLang="en-US" dirty="0"/>
+              <a:t>，如</a:t>
+            </a:r>
+            <a:r>
+              <a:rPr lang="en-US" altLang="zh-TW" dirty="0" err="1"/>
+              <a:t>MongoDB</a:t>
+            </a:r>
+            <a:r>
+              <a:rPr lang="zh-TW" altLang="en-US" dirty="0"/>
+              <a:t>。</a:t>
+            </a:r>
+          </a:p>
+          <a:p>
+            <a:r>
+              <a:rPr lang="en-US" altLang="zh-TW" dirty="0"/>
+              <a:t>3.Wide Column Store</a:t>
+            </a:r>
+            <a:r>
+              <a:rPr lang="zh-TW" altLang="en-US" dirty="0"/>
+              <a:t>，如</a:t>
+            </a:r>
+            <a:r>
+              <a:rPr lang="en-US" altLang="zh-TW" dirty="0"/>
+              <a:t>Cassandra</a:t>
+            </a:r>
+            <a:r>
+              <a:rPr lang="zh-TW" altLang="en-US" dirty="0"/>
+              <a:t>。</a:t>
+            </a:r>
+          </a:p>
+          <a:p>
+            <a:r>
+              <a:rPr lang="en-US" altLang="zh-TW" dirty="0"/>
+              <a:t>4.Graph-Oriented</a:t>
+            </a:r>
+            <a:r>
+              <a:rPr lang="zh-TW" altLang="en-US" dirty="0"/>
+              <a:t>，如</a:t>
+            </a:r>
+            <a:r>
+              <a:rPr lang="en-US" altLang="zh-TW" dirty="0"/>
+              <a:t>Neo4J</a:t>
+            </a:r>
+            <a:r>
+              <a:rPr lang="zh-TW" altLang="en-US" dirty="0"/>
+              <a:t>。</a:t>
+            </a:r>
+          </a:p>
+        </p:txBody>
+      </p:sp>
+    </p:spTree>
+    <p:extLst>
+      <p:ext uri="{BB962C8B-B14F-4D97-AF65-F5344CB8AC3E}">
+        <p14:creationId xmlns:p14="http://schemas.microsoft.com/office/powerpoint/2010/main" val="2167084744"/>
+      </p:ext>
+    </p:extLst>
+  </p:cSld>
+  <p:clrMapOvr>
+    <a:masterClrMapping/>
+  </p:clrMapOvr>
+</p:sld>
+</file>
+
+<file path=ppt/slides/slide14.xml><?xml version="1.0" encoding="utf-8"?>
+<p:sld xmlns:a="http://schemas.openxmlformats.org/drawingml/2006/main" xmlns:r="http://schemas.openxmlformats.org/officeDocument/2006/relationships" xmlns:p="http://schemas.openxmlformats.org/presentationml/2006/main">
+  <p:cSld>
+    <p:spTree>
+      <p:nvGrpSpPr>
+        <p:cNvPr id="1" name=""/>
+        <p:cNvGrpSpPr/>
+        <p:nvPr/>
+      </p:nvGrpSpPr>
+      <p:grpSpPr>
+        <a:xfrm>
+          <a:off x="0" y="0"/>
+          <a:ext cx="0" cy="0"/>
+          <a:chOff x="0" y="0"/>
+          <a:chExt cx="0" cy="0"/>
+        </a:xfrm>
+      </p:grpSpPr>
+      <p:sp>
+        <p:nvSpPr>
+          <p:cNvPr id="2" name="標題 1"/>
+          <p:cNvSpPr>
+            <a:spLocks noGrp="1"/>
+          </p:cNvSpPr>
+          <p:nvPr>
+            <p:ph type="title"/>
+          </p:nvPr>
+        </p:nvSpPr>
+        <p:spPr/>
+        <p:txBody>
+          <a:bodyPr/>
+          <a:lstStyle/>
           <a:p>
             <a:r>
               <a:rPr lang="en-US" altLang="zh-TW" dirty="0" err="1" smtClean="0"/>
               <a:t>Redis</a:t>
             </a:r>
+            <a:endParaRPr lang="zh-TW" altLang="en-US" dirty="0"/>
+          </a:p>
+        </p:txBody>
+      </p:sp>
+      <p:sp>
+        <p:nvSpPr>
+          <p:cNvPr id="3" name="內容版面配置區 2"/>
+          <p:cNvSpPr>
+            <a:spLocks noGrp="1"/>
+          </p:cNvSpPr>
+          <p:nvPr>
+            <p:ph idx="1"/>
+          </p:nvPr>
+        </p:nvSpPr>
+        <p:spPr/>
+        <p:txBody>
+          <a:bodyPr/>
+          <a:lstStyle/>
+          <a:p>
+            <a:r>
+              <a:rPr lang="en-US" altLang="zh-TW" dirty="0" smtClean="0"/>
+              <a:t>in-memory</a:t>
+            </a:r>
+          </a:p>
+          <a:p>
+            <a:r>
+              <a:rPr lang="en-US" altLang="zh-TW" dirty="0" err="1" smtClean="0"/>
+              <a:t>Redis</a:t>
+            </a:r>
             <a:r>
               <a:rPr lang="zh-TW" altLang="en-US" dirty="0"/>
               <a:t>主要以</a:t>
@@ -7787,7 +7978,19 @@
             </a:r>
             <a:r>
               <a:rPr lang="zh-TW" altLang="en-US" dirty="0" smtClean="0"/>
-              <a:t>儲存</a:t>
+              <a:t>儲存（如果</a:t>
+            </a:r>
+            <a:r>
+              <a:rPr lang="zh-TW" altLang="en-US" dirty="0"/>
+              <a:t>要永久儲存，</a:t>
+            </a:r>
+            <a:r>
+              <a:rPr lang="zh-TW" altLang="en-US" dirty="0" smtClean="0"/>
+              <a:t>就要</a:t>
+            </a:r>
+            <a:r>
+              <a:rPr lang="zh-TW" altLang="en-US" dirty="0"/>
+              <a:t>追加每條命令到日誌來持久化）</a:t>
             </a:r>
             <a:endParaRPr lang="zh-TW" altLang="en-US" dirty="0"/>
           </a:p>
@@ -7813,121 +8016,6 @@
 </p:sld>
 </file>
 
-<file path=ppt/slides/slide14.xml><?xml version="1.0" encoding="utf-8"?>
-<p:sld xmlns:a="http://schemas.openxmlformats.org/drawingml/2006/main" xmlns:r="http://schemas.openxmlformats.org/officeDocument/2006/relationships" xmlns:p="http://schemas.openxmlformats.org/presentationml/2006/main">
-  <p:cSld>
-    <p:spTree>
-      <p:nvGrpSpPr>
-        <p:cNvPr id="1" name=""/>
-        <p:cNvGrpSpPr/>
-        <p:nvPr/>
-      </p:nvGrpSpPr>
-      <p:grpSpPr>
-        <a:xfrm>
-          <a:off x="0" y="0"/>
-          <a:ext cx="0" cy="0"/>
-          <a:chOff x="0" y="0"/>
-          <a:chExt cx="0" cy="0"/>
-        </a:xfrm>
-      </p:grpSpPr>
-      <p:sp>
-        <p:nvSpPr>
-          <p:cNvPr id="2" name="標題 1"/>
-          <p:cNvSpPr>
-            <a:spLocks noGrp="1"/>
-          </p:cNvSpPr>
-          <p:nvPr>
-            <p:ph type="title"/>
-          </p:nvPr>
-        </p:nvSpPr>
-        <p:spPr/>
-        <p:txBody>
-          <a:bodyPr>
-            <a:normAutofit/>
-          </a:bodyPr>
-          <a:lstStyle/>
-          <a:p>
-            <a:r>
-              <a:rPr lang="en-US" altLang="zh-TW" dirty="0" smtClean="0"/>
-              <a:t>Ubuntu</a:t>
-            </a:r>
-            <a:r>
-              <a:rPr lang="zh-TW" altLang="en-US" dirty="0"/>
-              <a:t>上安装</a:t>
-            </a:r>
-            <a:r>
-              <a:rPr lang="en-US" altLang="zh-TW" dirty="0" err="1" smtClean="0"/>
-              <a:t>Redis</a:t>
-            </a:r>
-            <a:endParaRPr lang="zh-TW" altLang="en-US" dirty="0"/>
-          </a:p>
-        </p:txBody>
-      </p:sp>
-      <p:sp>
-        <p:nvSpPr>
-          <p:cNvPr id="3" name="內容版面配置區 2"/>
-          <p:cNvSpPr>
-            <a:spLocks noGrp="1"/>
-          </p:cNvSpPr>
-          <p:nvPr>
-            <p:ph idx="1"/>
-          </p:nvPr>
-        </p:nvSpPr>
-        <p:spPr/>
-        <p:txBody>
-          <a:bodyPr/>
-          <a:lstStyle/>
-          <a:p>
-            <a:r>
-              <a:rPr lang="en-US" altLang="zh-TW" dirty="0" err="1"/>
-              <a:t>sudo</a:t>
-            </a:r>
-            <a:r>
-              <a:rPr lang="en-US" altLang="zh-TW" dirty="0"/>
-              <a:t> apt-get install php5-redis</a:t>
-            </a:r>
-          </a:p>
-          <a:p>
-            <a:endParaRPr lang="en-US" altLang="zh-TW" dirty="0" smtClean="0"/>
-          </a:p>
-          <a:p>
-            <a:r>
-              <a:rPr lang="en-US" altLang="zh-TW" dirty="0" err="1" smtClean="0"/>
-              <a:t>sudo</a:t>
-            </a:r>
-            <a:r>
-              <a:rPr lang="en-US" altLang="zh-TW" dirty="0" smtClean="0"/>
-              <a:t> </a:t>
-            </a:r>
-            <a:r>
-              <a:rPr lang="en-US" altLang="zh-TW" dirty="0"/>
-              <a:t>service </a:t>
-            </a:r>
-            <a:r>
-              <a:rPr lang="en-US" altLang="zh-TW" dirty="0" err="1"/>
-              <a:t>redis</a:t>
-            </a:r>
-            <a:r>
-              <a:rPr lang="en-US" altLang="zh-TW" dirty="0"/>
-              <a:t>-server start</a:t>
-            </a:r>
-            <a:endParaRPr lang="zh-TW" altLang="en-US" dirty="0"/>
-          </a:p>
-        </p:txBody>
-      </p:sp>
-    </p:spTree>
-    <p:extLst>
-      <p:ext uri="{BB962C8B-B14F-4D97-AF65-F5344CB8AC3E}">
-        <p14:creationId xmlns:p14="http://schemas.microsoft.com/office/powerpoint/2010/main" val="65053489"/>
-      </p:ext>
-    </p:extLst>
-  </p:cSld>
-  <p:clrMapOvr>
-    <a:masterClrMapping/>
-  </p:clrMapOvr>
-</p:sld>
-</file>
-
 <file path=ppt/slides/slide15.xml><?xml version="1.0" encoding="utf-8"?>
 <p:sld xmlns:a="http://schemas.openxmlformats.org/drawingml/2006/main" xmlns:r="http://schemas.openxmlformats.org/officeDocument/2006/relationships" xmlns:p="http://schemas.openxmlformats.org/presentationml/2006/main">
   <p:cSld>
@@ -7963,16 +8051,16 @@
           <a:lstStyle/>
           <a:p>
             <a:r>
+              <a:rPr lang="en-US" altLang="zh-TW" dirty="0" smtClean="0"/>
+              <a:t>Ubuntu</a:t>
+            </a:r>
+            <a:r>
+              <a:rPr lang="zh-TW" altLang="en-US" dirty="0"/>
+              <a:t>上安装</a:t>
+            </a:r>
+            <a:r>
               <a:rPr lang="en-US" altLang="zh-TW" dirty="0" err="1" smtClean="0"/>
               <a:t>Redis</a:t>
-            </a:r>
-            <a:r>
-              <a:rPr lang="en-US" altLang="zh-TW" dirty="0" smtClean="0"/>
-              <a:t> </a:t>
-            </a:r>
-            <a:r>
-              <a:rPr lang="zh-TW" altLang="en-US" dirty="0" smtClean="0"/>
-              <a:t>資料型態</a:t>
             </a:r>
             <a:endParaRPr lang="zh-TW" altLang="en-US" dirty="0"/>
           </a:p>
@@ -7994,50 +8082,38 @@
           <a:lstStyle/>
           <a:p>
             <a:r>
+              <a:rPr lang="en-US" altLang="zh-TW" dirty="0" err="1"/>
+              <a:t>sudo</a:t>
+            </a:r>
+            <a:r>
+              <a:rPr lang="en-US" altLang="zh-TW" dirty="0"/>
+              <a:t> apt-get install php5-redis</a:t>
+            </a:r>
+          </a:p>
+          <a:p>
+            <a:endParaRPr lang="en-US" altLang="zh-TW" dirty="0" smtClean="0"/>
+          </a:p>
+          <a:p>
+            <a:r>
+              <a:rPr lang="en-US" altLang="zh-TW" dirty="0" err="1" smtClean="0"/>
+              <a:t>sudo</a:t>
+            </a:r>
+            <a:r>
               <a:rPr lang="en-US" altLang="zh-TW" dirty="0" smtClean="0"/>
-              <a:t>String</a:t>
-            </a:r>
-          </a:p>
-          <a:p>
-            <a:r>
-              <a:rPr lang="en-US" altLang="zh-TW" dirty="0" smtClean="0"/>
-              <a:t>List</a:t>
-            </a:r>
-          </a:p>
-          <a:p>
-            <a:r>
-              <a:rPr lang="en-US" altLang="zh-TW" dirty="0" err="1" smtClean="0"/>
-              <a:t>Hashe</a:t>
-            </a:r>
-            <a:endParaRPr lang="en-US" altLang="zh-TW" dirty="0" smtClean="0"/>
-          </a:p>
-          <a:p>
-            <a:r>
-              <a:rPr lang="en-US" altLang="zh-TW" dirty="0" smtClean="0"/>
-              <a:t>Set</a:t>
-            </a:r>
-          </a:p>
-          <a:p>
-            <a:r>
-              <a:rPr lang="en-US" altLang="zh-TW" dirty="0" err="1" smtClean="0"/>
-              <a:t>SortedSet</a:t>
-            </a:r>
-            <a:endParaRPr lang="en-US" altLang="zh-TW" dirty="0" smtClean="0"/>
-          </a:p>
-          <a:p>
+              <a:t> </a:t>
+            </a:r>
+            <a:r>
+              <a:rPr lang="en-US" altLang="zh-TW" dirty="0"/>
+              <a:t>service </a:t>
+            </a:r>
             <a:r>
               <a:rPr lang="en-US" altLang="zh-TW" dirty="0" err="1"/>
-              <a:t>HyperLogLog</a:t>
-            </a:r>
-            <a:endParaRPr lang="en-US" altLang="zh-TW" dirty="0"/>
-          </a:p>
-          <a:p>
-            <a:endParaRPr lang="en-US" altLang="zh-TW" dirty="0" smtClean="0"/>
-          </a:p>
-          <a:p>
-            <a:endParaRPr lang="en-US" altLang="zh-TW" dirty="0" smtClean="0"/>
-          </a:p>
-          <a:p>
+              <a:t>redis</a:t>
+            </a:r>
+            <a:r>
+              <a:rPr lang="en-US" altLang="zh-TW" dirty="0"/>
+              <a:t>-server start</a:t>
+            </a:r>
             <a:endParaRPr lang="zh-TW" altLang="en-US" dirty="0"/>
           </a:p>
         </p:txBody>
@@ -8045,7 +8121,7 @@
     </p:spTree>
     <p:extLst>
       <p:ext uri="{BB962C8B-B14F-4D97-AF65-F5344CB8AC3E}">
-        <p14:creationId xmlns:p14="http://schemas.microsoft.com/office/powerpoint/2010/main" val="2153961243"/>
+        <p14:creationId xmlns:p14="http://schemas.microsoft.com/office/powerpoint/2010/main" val="65053489"/>
       </p:ext>
     </p:extLst>
   </p:cSld>
@@ -8084,17 +8160,24 @@
         </p:nvSpPr>
         <p:spPr/>
         <p:txBody>
-          <a:bodyPr/>
-          <a:lstStyle/>
-          <a:p>
-            <a:r>
-              <a:rPr lang="en-US" altLang="zh-TW" dirty="0"/>
-              <a:t>String</a:t>
-            </a:r>
-            <a:r>
-              <a:rPr lang="zh-TW" altLang="en-US" dirty="0"/>
-              <a:t>類型</a:t>
-            </a:r>
+          <a:bodyPr>
+            <a:normAutofit/>
+          </a:bodyPr>
+          <a:lstStyle/>
+          <a:p>
+            <a:r>
+              <a:rPr lang="en-US" altLang="zh-TW" dirty="0" err="1" smtClean="0"/>
+              <a:t>Redis</a:t>
+            </a:r>
+            <a:r>
+              <a:rPr lang="en-US" altLang="zh-TW" dirty="0" smtClean="0"/>
+              <a:t> </a:t>
+            </a:r>
+            <a:r>
+              <a:rPr lang="zh-TW" altLang="en-US" dirty="0" smtClean="0"/>
+              <a:t>資料型態</a:t>
+            </a:r>
+            <a:endParaRPr lang="zh-TW" altLang="en-US" dirty="0"/>
           </a:p>
         </p:txBody>
       </p:sp>
@@ -8114,65 +8197,58 @@
           <a:lstStyle/>
           <a:p>
             <a:r>
+              <a:rPr lang="en-US" altLang="zh-TW" dirty="0" smtClean="0"/>
+              <a:t>String</a:t>
+            </a:r>
+          </a:p>
+          <a:p>
+            <a:r>
+              <a:rPr lang="en-US" altLang="zh-TW" dirty="0" smtClean="0"/>
+              <a:t>List</a:t>
+            </a:r>
+          </a:p>
+          <a:p>
+            <a:r>
+              <a:rPr lang="en-US" altLang="zh-TW" dirty="0" err="1" smtClean="0"/>
+              <a:t>Hashe</a:t>
+            </a:r>
+            <a:endParaRPr lang="en-US" altLang="zh-TW" dirty="0" smtClean="0"/>
+          </a:p>
+          <a:p>
+            <a:r>
+              <a:rPr lang="en-US" altLang="zh-TW" dirty="0" smtClean="0"/>
+              <a:t>Set</a:t>
+            </a:r>
+          </a:p>
+          <a:p>
+            <a:r>
+              <a:rPr lang="en-US" altLang="zh-TW" dirty="0" err="1" smtClean="0"/>
+              <a:t>SortedSet</a:t>
+            </a:r>
+            <a:endParaRPr lang="en-US" altLang="zh-TW" dirty="0" smtClean="0"/>
+          </a:p>
+          <a:p>
+            <a:r>
               <a:rPr lang="en-US" altLang="zh-TW" dirty="0" err="1"/>
-              <a:t>Redis</a:t>
-            </a:r>
-            <a:r>
-              <a:rPr lang="zh-TW" altLang="en-US" dirty="0"/>
-              <a:t>能存儲二進制安全的字符</a:t>
-            </a:r>
-            <a:r>
-              <a:rPr lang="zh-TW" altLang="en-US" dirty="0" smtClean="0"/>
-              <a:t>串</a:t>
-            </a:r>
+              <a:t>HyperLogLog</a:t>
+            </a:r>
+            <a:endParaRPr lang="en-US" altLang="zh-TW" dirty="0"/>
+          </a:p>
+          <a:p>
             <a:endParaRPr lang="en-US" altLang="zh-TW" dirty="0" smtClean="0"/>
           </a:p>
           <a:p>
-            <a:r>
-              <a:rPr lang="zh-TW" altLang="en-US" dirty="0" smtClean="0"/>
-              <a:t>一個</a:t>
-            </a:r>
-            <a:r>
-              <a:rPr lang="en-US" altLang="zh-TW" dirty="0" smtClean="0"/>
-              <a:t>key</a:t>
-            </a:r>
-            <a:r>
-              <a:rPr lang="zh-TW" altLang="en-US" dirty="0" smtClean="0"/>
-              <a:t>最大</a:t>
-            </a:r>
-            <a:r>
-              <a:rPr lang="zh-TW" altLang="en-US" dirty="0"/>
-              <a:t>能存儲</a:t>
-            </a:r>
-            <a:r>
-              <a:rPr lang="en-US" altLang="zh-TW" dirty="0" smtClean="0"/>
-              <a:t>512MB</a:t>
-            </a:r>
-          </a:p>
-          <a:p>
-            <a:r>
-              <a:rPr lang="en-US" altLang="zh-TW" dirty="0"/>
-              <a:t>value </a:t>
-            </a:r>
-            <a:r>
-              <a:rPr lang="zh-TW" altLang="en-US" dirty="0"/>
-              <a:t>不僅可以是</a:t>
-            </a:r>
-            <a:r>
-              <a:rPr lang="en-US" altLang="zh-TW" dirty="0"/>
-              <a:t>String</a:t>
-            </a:r>
-            <a:r>
-              <a:rPr lang="zh-TW" altLang="en-US" dirty="0"/>
-              <a:t>，也可以是數字</a:t>
-            </a:r>
+            <a:endParaRPr lang="en-US" altLang="zh-TW" dirty="0" smtClean="0"/>
+          </a:p>
+          <a:p>
+            <a:endParaRPr lang="zh-TW" altLang="en-US" dirty="0"/>
           </a:p>
         </p:txBody>
       </p:sp>
     </p:spTree>
     <p:extLst>
       <p:ext uri="{BB962C8B-B14F-4D97-AF65-F5344CB8AC3E}">
-        <p14:creationId xmlns:p14="http://schemas.microsoft.com/office/powerpoint/2010/main" val="1238937474"/>
+        <p14:creationId xmlns:p14="http://schemas.microsoft.com/office/powerpoint/2010/main" val="2153961243"/>
       </p:ext>
     </p:extLst>
   </p:cSld>
@@ -8216,7 +8292,7 @@
           <a:p>
             <a:r>
               <a:rPr lang="en-US" altLang="zh-TW" dirty="0"/>
-              <a:t>List</a:t>
+              <a:t>String</a:t>
             </a:r>
             <a:r>
               <a:rPr lang="zh-TW" altLang="en-US" dirty="0"/>
@@ -8241,35 +8317,74 @@
           <a:lstStyle/>
           <a:p>
             <a:r>
+              <a:rPr lang="en-US" altLang="zh-TW" dirty="0" err="1"/>
+              <a:t>Redis</a:t>
+            </a:r>
+            <a:r>
+              <a:rPr lang="zh-TW" altLang="en-US" dirty="0"/>
+              <a:t>能存儲二進制安全的字符</a:t>
+            </a:r>
+            <a:r>
+              <a:rPr lang="zh-TW" altLang="en-US" dirty="0" smtClean="0"/>
+              <a:t>串</a:t>
+            </a:r>
+            <a:endParaRPr lang="en-US" altLang="zh-TW" dirty="0" smtClean="0"/>
+          </a:p>
+          <a:p>
+            <a:r>
               <a:rPr lang="zh-TW" altLang="en-US" dirty="0" smtClean="0"/>
               <a:t>一個</a:t>
             </a:r>
             <a:r>
+              <a:rPr lang="en-US" altLang="zh-TW" dirty="0" smtClean="0"/>
+              <a:t>key</a:t>
+            </a:r>
+            <a:r>
+              <a:rPr lang="zh-TW" altLang="en-US" dirty="0" smtClean="0"/>
+              <a:t>最大</a:t>
+            </a:r>
+            <a:r>
               <a:rPr lang="zh-TW" altLang="en-US" dirty="0"/>
-              <a:t>鍵值對</a:t>
+              <a:t>能存儲</a:t>
+            </a:r>
+            <a:r>
+              <a:rPr lang="en-US" altLang="zh-TW" dirty="0" smtClean="0"/>
+              <a:t>512MB</a:t>
             </a:r>
             <a:r>
               <a:rPr lang="zh-TW" altLang="en-US" dirty="0" smtClean="0"/>
-              <a:t>集合</a:t>
+              <a:t>，</a:t>
+            </a:r>
+            <a:r>
+              <a:rPr lang="en-US" altLang="zh-TW" dirty="0" smtClean="0"/>
+              <a:t>value</a:t>
+            </a:r>
+            <a:r>
+              <a:rPr lang="zh-TW" altLang="en-US" dirty="0" smtClean="0"/>
+              <a:t>也是</a:t>
+            </a:r>
+            <a:r>
+              <a:rPr lang="en-US" altLang="zh-TW" smtClean="0"/>
+              <a:t>512MB</a:t>
             </a:r>
             <a:endParaRPr lang="en-US" altLang="zh-TW" dirty="0" smtClean="0"/>
           </a:p>
           <a:p>
             <a:r>
-              <a:rPr lang="zh-TW" altLang="en-US" dirty="0" smtClean="0"/>
-              <a:t>可以</a:t>
+              <a:rPr lang="en-US" altLang="zh-TW" dirty="0"/>
+              <a:t>value </a:t>
             </a:r>
             <a:r>
               <a:rPr lang="zh-TW" altLang="en-US" dirty="0"/>
-              <a:t>從頭部或尾部向</a:t>
-            </a:r>
-            <a:r>
-              <a:rPr lang="en-US" altLang="zh-TW" dirty="0" err="1"/>
-              <a:t>Redis</a:t>
+              <a:t>不僅可以是</a:t>
+            </a:r>
+            <a:r>
+              <a:rPr lang="en-US" altLang="zh-TW" dirty="0"/>
+              <a:t>String</a:t>
             </a:r>
             <a:r>
               <a:rPr lang="zh-TW" altLang="en-US" dirty="0"/>
-              <a:t>列表添加元素</a:t>
+              <a:t>，也可以是數字</a:t>
             </a:r>
           </a:p>
         </p:txBody>
@@ -8277,7 +8392,7 @@
     </p:spTree>
     <p:extLst>
       <p:ext uri="{BB962C8B-B14F-4D97-AF65-F5344CB8AC3E}">
-        <p14:creationId xmlns:p14="http://schemas.microsoft.com/office/powerpoint/2010/main" val="2715789818"/>
+        <p14:creationId xmlns:p14="http://schemas.microsoft.com/office/powerpoint/2010/main" val="1238937474"/>
       </p:ext>
     </p:extLst>
   </p:cSld>
@@ -8320,14 +8435,13 @@
           <a:lstStyle/>
           <a:p>
             <a:r>
-              <a:rPr lang="en-US" altLang="zh-TW" dirty="0" smtClean="0"/>
-              <a:t>Sets</a:t>
-            </a:r>
-            <a:r>
-              <a:rPr lang="zh-TW" altLang="en-US" dirty="0" smtClean="0"/>
+              <a:rPr lang="en-US" altLang="zh-TW" dirty="0"/>
+              <a:t>List</a:t>
+            </a:r>
+            <a:r>
+              <a:rPr lang="zh-TW" altLang="en-US" dirty="0"/>
               <a:t>類型</a:t>
             </a:r>
-            <a:endParaRPr lang="zh-TW" altLang="en-US" dirty="0"/>
           </a:p>
         </p:txBody>
       </p:sp>
@@ -8348,24 +8462,42 @@
           <a:p>
             <a:r>
               <a:rPr lang="zh-TW" altLang="en-US" dirty="0" smtClean="0"/>
-              <a:t>將</a:t>
+              <a:t>一個</a:t>
             </a:r>
             <a:r>
               <a:rPr lang="zh-TW" altLang="en-US" dirty="0"/>
-              <a:t>一系列不重复的值存儲成一個</a:t>
+              <a:t>鍵值對</a:t>
             </a:r>
             <a:r>
               <a:rPr lang="zh-TW" altLang="en-US" dirty="0" smtClean="0"/>
               <a:t>集合</a:t>
             </a:r>
             <a:endParaRPr lang="en-US" altLang="zh-TW" dirty="0" smtClean="0"/>
+          </a:p>
+          <a:p>
+            <a:r>
+              <a:rPr lang="zh-TW" altLang="en-US" dirty="0" smtClean="0"/>
+              <a:t>可以</a:t>
+            </a:r>
+            <a:r>
+              <a:rPr lang="zh-TW" altLang="en-US" dirty="0"/>
+              <a:t>從頭部或尾部向</a:t>
+            </a:r>
+            <a:r>
+              <a:rPr lang="en-US" altLang="zh-TW" dirty="0" err="1"/>
+              <a:t>Redis</a:t>
+            </a:r>
+            <a:r>
+              <a:rPr lang="zh-TW" altLang="en-US" dirty="0"/>
+              <a:t>列表添加元素</a:t>
+            </a:r>
           </a:p>
         </p:txBody>
       </p:sp>
     </p:spTree>
     <p:extLst>
       <p:ext uri="{BB962C8B-B14F-4D97-AF65-F5344CB8AC3E}">
-        <p14:creationId xmlns:p14="http://schemas.microsoft.com/office/powerpoint/2010/main" val="716992163"/>
+        <p14:creationId xmlns:p14="http://schemas.microsoft.com/office/powerpoint/2010/main" val="2715789818"/>
       </p:ext>
     </p:extLst>
   </p:cSld>
@@ -8409,7 +8541,7 @@
           <a:p>
             <a:r>
               <a:rPr lang="en-US" altLang="zh-TW" dirty="0" smtClean="0"/>
-              <a:t>Sorted Sets</a:t>
+              <a:t>Sets</a:t>
             </a:r>
             <a:r>
               <a:rPr lang="zh-TW" altLang="en-US" dirty="0" smtClean="0"/>
@@ -8435,52 +8567,25 @@
           <a:lstStyle/>
           <a:p>
             <a:r>
-              <a:rPr lang="en-US" altLang="zh-TW" dirty="0"/>
-              <a:t>Sorted Sets</a:t>
+              <a:rPr lang="zh-TW" altLang="en-US" dirty="0" smtClean="0"/>
+              <a:t>將</a:t>
             </a:r>
             <a:r>
               <a:rPr lang="zh-TW" altLang="en-US" dirty="0"/>
-              <a:t>和</a:t>
-            </a:r>
-            <a:r>
-              <a:rPr lang="en-US" altLang="zh-TW" dirty="0"/>
-              <a:t>Sets</a:t>
-            </a:r>
-            <a:r>
-              <a:rPr lang="zh-TW" altLang="en-US" dirty="0"/>
-              <a:t>結構相似，不同的是存在</a:t>
-            </a:r>
-            <a:r>
-              <a:rPr lang="en-US" altLang="zh-TW" dirty="0"/>
-              <a:t>Sorted Sets</a:t>
-            </a:r>
-            <a:r>
-              <a:rPr lang="zh-TW" altLang="en-US" dirty="0"/>
-              <a:t>中的數據會有一個</a:t>
-            </a:r>
-            <a:r>
-              <a:rPr lang="en-US" altLang="zh-TW" dirty="0"/>
-              <a:t>score</a:t>
-            </a:r>
-            <a:r>
-              <a:rPr lang="zh-TW" altLang="en-US" dirty="0"/>
-              <a:t>屬性，並會在寫入時就按這個</a:t>
-            </a:r>
-            <a:r>
-              <a:rPr lang="en-US" altLang="zh-TW" dirty="0"/>
-              <a:t>score</a:t>
-            </a:r>
-            <a:r>
-              <a:rPr lang="zh-TW" altLang="en-US" dirty="0"/>
-              <a:t>排好序。</a:t>
-            </a:r>
+              <a:t>一系列不重复的值存儲成一個</a:t>
+            </a:r>
+            <a:r>
+              <a:rPr lang="zh-TW" altLang="en-US" dirty="0" smtClean="0"/>
+              <a:t>集合</a:t>
+            </a:r>
+            <a:endParaRPr lang="en-US" altLang="zh-TW" dirty="0" smtClean="0"/>
           </a:p>
         </p:txBody>
       </p:sp>
     </p:spTree>
     <p:extLst>
       <p:ext uri="{BB962C8B-B14F-4D97-AF65-F5344CB8AC3E}">
-        <p14:creationId xmlns:p14="http://schemas.microsoft.com/office/powerpoint/2010/main" val="3698105201"/>
+        <p14:creationId xmlns:p14="http://schemas.microsoft.com/office/powerpoint/2010/main" val="716992163"/>
       </p:ext>
     </p:extLst>
   </p:cSld>
@@ -8522,6 +8627,10 @@
           <a:bodyPr/>
           <a:lstStyle/>
           <a:p>
+            <a:r>
+              <a:rPr lang="zh-TW" altLang="en-US" dirty="0"/>
+              <a:t>程式</a:t>
+            </a:r>
             <a:r>
               <a:rPr lang="zh-TW" altLang="en-US" dirty="0" smtClean="0"/>
               <a:t>流程</a:t>
@@ -8608,6 +8717,121 @@
           <a:lstStyle/>
           <a:p>
             <a:r>
+              <a:rPr lang="en-US" altLang="zh-TW" dirty="0" smtClean="0"/>
+              <a:t>Sorted Sets</a:t>
+            </a:r>
+            <a:r>
+              <a:rPr lang="zh-TW" altLang="en-US" dirty="0" smtClean="0"/>
+              <a:t>類型</a:t>
+            </a:r>
+            <a:endParaRPr lang="zh-TW" altLang="en-US" dirty="0"/>
+          </a:p>
+        </p:txBody>
+      </p:sp>
+      <p:sp>
+        <p:nvSpPr>
+          <p:cNvPr id="3" name="內容版面配置區 2"/>
+          <p:cNvSpPr>
+            <a:spLocks noGrp="1"/>
+          </p:cNvSpPr>
+          <p:nvPr>
+            <p:ph idx="1"/>
+          </p:nvPr>
+        </p:nvSpPr>
+        <p:spPr/>
+        <p:txBody>
+          <a:bodyPr/>
+          <a:lstStyle/>
+          <a:p>
+            <a:r>
+              <a:rPr lang="en-US" altLang="zh-TW" dirty="0"/>
+              <a:t>Sorted Sets</a:t>
+            </a:r>
+            <a:r>
+              <a:rPr lang="zh-TW" altLang="en-US" dirty="0"/>
+              <a:t>和</a:t>
+            </a:r>
+            <a:r>
+              <a:rPr lang="en-US" altLang="zh-TW" dirty="0"/>
+              <a:t>Sets</a:t>
+            </a:r>
+            <a:r>
+              <a:rPr lang="zh-TW" altLang="en-US" dirty="0"/>
+              <a:t>結構相似，不同的是存在</a:t>
+            </a:r>
+            <a:r>
+              <a:rPr lang="en-US" altLang="zh-TW" dirty="0"/>
+              <a:t>Sorted Sets</a:t>
+            </a:r>
+            <a:r>
+              <a:rPr lang="zh-TW" altLang="en-US" dirty="0"/>
+              <a:t>中的數據會有一個</a:t>
+            </a:r>
+            <a:r>
+              <a:rPr lang="en-US" altLang="zh-TW" dirty="0"/>
+              <a:t>score</a:t>
+            </a:r>
+            <a:r>
+              <a:rPr lang="zh-TW" altLang="en-US" dirty="0"/>
+              <a:t>屬性，並會在寫入時就按這個</a:t>
+            </a:r>
+            <a:r>
+              <a:rPr lang="en-US" altLang="zh-TW" dirty="0"/>
+              <a:t>score</a:t>
+            </a:r>
+            <a:r>
+              <a:rPr lang="zh-TW" altLang="en-US" dirty="0"/>
+              <a:t>排好序。</a:t>
+            </a:r>
+          </a:p>
+        </p:txBody>
+      </p:sp>
+    </p:spTree>
+    <p:extLst>
+      <p:ext uri="{BB962C8B-B14F-4D97-AF65-F5344CB8AC3E}">
+        <p14:creationId xmlns:p14="http://schemas.microsoft.com/office/powerpoint/2010/main" val="3698105201"/>
+      </p:ext>
+    </p:extLst>
+  </p:cSld>
+  <p:clrMapOvr>
+    <a:masterClrMapping/>
+  </p:clrMapOvr>
+</p:sld>
+</file>
+
+<file path=ppt/slides/slide21.xml><?xml version="1.0" encoding="utf-8"?>
+<p:sld xmlns:a="http://schemas.openxmlformats.org/drawingml/2006/main" xmlns:r="http://schemas.openxmlformats.org/officeDocument/2006/relationships" xmlns:p="http://schemas.openxmlformats.org/presentationml/2006/main">
+  <p:cSld>
+    <p:spTree>
+      <p:nvGrpSpPr>
+        <p:cNvPr id="1" name=""/>
+        <p:cNvGrpSpPr/>
+        <p:nvPr/>
+      </p:nvGrpSpPr>
+      <p:grpSpPr>
+        <a:xfrm>
+          <a:off x="0" y="0"/>
+          <a:ext cx="0" cy="0"/>
+          <a:chOff x="0" y="0"/>
+          <a:chExt cx="0" cy="0"/>
+        </a:xfrm>
+      </p:grpSpPr>
+      <p:sp>
+        <p:nvSpPr>
+          <p:cNvPr id="2" name="標題 1"/>
+          <p:cNvSpPr>
+            <a:spLocks noGrp="1"/>
+          </p:cNvSpPr>
+          <p:nvPr>
+            <p:ph type="title"/>
+          </p:nvPr>
+        </p:nvSpPr>
+        <p:spPr/>
+        <p:txBody>
+          <a:bodyPr/>
+          <a:lstStyle/>
+          <a:p>
+            <a:r>
               <a:rPr lang="en-US" altLang="zh-TW" dirty="0"/>
               <a:t>Hash</a:t>
             </a:r>
@@ -8681,7 +8905,146 @@
 </p:sld>
 </file>
 
-<file path=ppt/slides/slide21.xml><?xml version="1.0" encoding="utf-8"?>
+<file path=ppt/slides/slide22.xml><?xml version="1.0" encoding="utf-8"?>
+<p:sld xmlns:a="http://schemas.openxmlformats.org/drawingml/2006/main" xmlns:r="http://schemas.openxmlformats.org/officeDocument/2006/relationships" xmlns:p="http://schemas.openxmlformats.org/presentationml/2006/main">
+  <p:cSld>
+    <p:spTree>
+      <p:nvGrpSpPr>
+        <p:cNvPr id="1" name=""/>
+        <p:cNvGrpSpPr/>
+        <p:nvPr/>
+      </p:nvGrpSpPr>
+      <p:grpSpPr>
+        <a:xfrm>
+          <a:off x="0" y="0"/>
+          <a:ext cx="0" cy="0"/>
+          <a:chOff x="0" y="0"/>
+          <a:chExt cx="0" cy="0"/>
+        </a:xfrm>
+      </p:grpSpPr>
+      <p:sp>
+        <p:nvSpPr>
+          <p:cNvPr id="2" name="標題 1"/>
+          <p:cNvSpPr>
+            <a:spLocks noGrp="1"/>
+          </p:cNvSpPr>
+          <p:nvPr>
+            <p:ph type="title"/>
+          </p:nvPr>
+        </p:nvSpPr>
+        <p:spPr/>
+        <p:txBody>
+          <a:bodyPr/>
+          <a:lstStyle/>
+          <a:p>
+            <a:r>
+              <a:rPr lang="en-US" altLang="zh-TW" dirty="0" err="1" smtClean="0"/>
+              <a:t>Redis</a:t>
+            </a:r>
+            <a:r>
+              <a:rPr lang="zh-TW" altLang="en-US" dirty="0" smtClean="0"/>
+              <a:t>心得</a:t>
+            </a:r>
+            <a:endParaRPr lang="zh-TW" altLang="en-US" dirty="0"/>
+          </a:p>
+        </p:txBody>
+      </p:sp>
+      <p:sp>
+        <p:nvSpPr>
+          <p:cNvPr id="3" name="內容版面配置區 2"/>
+          <p:cNvSpPr>
+            <a:spLocks noGrp="1"/>
+          </p:cNvSpPr>
+          <p:nvPr>
+            <p:ph idx="1"/>
+          </p:nvPr>
+        </p:nvSpPr>
+        <p:spPr/>
+        <p:txBody>
+          <a:bodyPr/>
+          <a:lstStyle/>
+          <a:p>
+            <a:r>
+              <a:rPr lang="zh-TW" altLang="en-US" dirty="0" smtClean="0"/>
+              <a:t>一開始對於</a:t>
+            </a:r>
+            <a:r>
+              <a:rPr lang="en-US" altLang="zh-TW" dirty="0" err="1" smtClean="0"/>
+              <a:t>redis</a:t>
+            </a:r>
+            <a:r>
+              <a:rPr lang="zh-TW" altLang="en-US" dirty="0" smtClean="0"/>
+              <a:t>完全沒基礎，後來透過查詢網路資料和其請教同事，才對於</a:t>
+            </a:r>
+            <a:r>
+              <a:rPr lang="en-US" altLang="zh-TW" dirty="0" err="1" smtClean="0"/>
+              <a:t>Redis</a:t>
+            </a:r>
+            <a:r>
+              <a:rPr lang="zh-TW" altLang="en-US" dirty="0" smtClean="0"/>
+              <a:t>有進步的了解，原來</a:t>
+            </a:r>
+            <a:r>
+              <a:rPr lang="en-US" altLang="zh-TW" dirty="0" err="1" smtClean="0"/>
+              <a:t>Redis</a:t>
+            </a:r>
+            <a:r>
+              <a:rPr lang="zh-TW" altLang="en-US" dirty="0" smtClean="0"/>
+              <a:t>可以儲存資料，而且比我們從資料庫讀取還快，因為是存放在記憶體中。</a:t>
+            </a:r>
+            <a:endParaRPr lang="en-US" altLang="zh-TW" dirty="0" smtClean="0"/>
+          </a:p>
+          <a:p>
+            <a:r>
+              <a:rPr lang="en-US" altLang="zh-TW" dirty="0" err="1" smtClean="0"/>
+              <a:t>Redis</a:t>
+            </a:r>
+            <a:r>
+              <a:rPr lang="zh-TW" altLang="en-US" dirty="0" smtClean="0"/>
+              <a:t>還有型態的分別，且不同型態還有各自的規舉和指令來操作，是我以前都沒試過的，在過程中我</a:t>
+            </a:r>
+            <a:r>
+              <a:rPr lang="zh-TW" altLang="en-US" dirty="0"/>
+              <a:t>了解</a:t>
+            </a:r>
+            <a:r>
+              <a:rPr lang="zh-TW" altLang="en-US" dirty="0" smtClean="0"/>
+              <a:t>到了什麼是</a:t>
+            </a:r>
+            <a:r>
+              <a:rPr lang="en-US" altLang="zh-TW" dirty="0" err="1" smtClean="0"/>
+              <a:t>Nosql</a:t>
+            </a:r>
+            <a:r>
+              <a:rPr lang="zh-TW" altLang="en-US" dirty="0" smtClean="0"/>
+              <a:t>概念與</a:t>
+            </a:r>
+            <a:r>
+              <a:rPr lang="en-US" altLang="zh-TW" dirty="0" err="1" smtClean="0"/>
+              <a:t>redis</a:t>
+            </a:r>
+            <a:r>
+              <a:rPr lang="zh-TW" altLang="en-US" dirty="0" smtClean="0"/>
+              <a:t>使用，受益良多。</a:t>
+            </a:r>
+            <a:endParaRPr lang="zh-TW" altLang="en-US" dirty="0"/>
+          </a:p>
+        </p:txBody>
+      </p:sp>
+    </p:spTree>
+    <p:extLst>
+      <p:ext uri="{BB962C8B-B14F-4D97-AF65-F5344CB8AC3E}">
+        <p14:creationId xmlns:p14="http://schemas.microsoft.com/office/powerpoint/2010/main" val="349519913"/>
+      </p:ext>
+    </p:extLst>
+  </p:cSld>
+  <p:clrMapOvr>
+    <a:masterClrMapping/>
+  </p:clrMapOvr>
+</p:sld>
+</file>
+
+<file path=ppt/slides/slide23.xml><?xml version="1.0" encoding="utf-8"?>
 <p:sld xmlns:a="http://schemas.openxmlformats.org/drawingml/2006/main" xmlns:r="http://schemas.openxmlformats.org/officeDocument/2006/relationships" xmlns:p="http://schemas.openxmlformats.org/presentationml/2006/main">
   <p:cSld>
     <p:bg>
@@ -8725,7 +9088,7 @@
 </p:sld>
 </file>
 
-<file path=ppt/slides/slide22.xml><?xml version="1.0" encoding="utf-8"?>
+<file path=ppt/slides/slide24.xml><?xml version="1.0" encoding="utf-8"?>
 <p:sld xmlns:a="http://schemas.openxmlformats.org/drawingml/2006/main" xmlns:r="http://schemas.openxmlformats.org/officeDocument/2006/relationships" xmlns:p="http://schemas.openxmlformats.org/presentationml/2006/main">
   <p:cSld>
     <p:spTree>
@@ -9181,8 +9544,18 @@
             </a:r>
             <a:r>
               <a:rPr lang="zh-TW" altLang="en-US" dirty="0" smtClean="0"/>
-              <a:t>偽造請求</a:t>
-            </a:r>
+              <a:t>偽造</a:t>
+            </a:r>
+            <a:r>
+              <a:rPr lang="zh-TW" altLang="en-US" dirty="0" smtClean="0"/>
+              <a:t>請求</a:t>
+            </a:r>
+            <a:endParaRPr lang="en-US" altLang="zh-TW" dirty="0" smtClean="0"/>
+          </a:p>
+          <a:p>
+            <a:endParaRPr lang="en-US" altLang="zh-TW" dirty="0"/>
+          </a:p>
+          <a:p>
             <a:endParaRPr lang="zh-TW" altLang="en-US" dirty="0"/>
           </a:p>
         </p:txBody>

--- a/爬蟲與redis.pptx
+++ b/爬蟲與redis.pptx
@@ -7666,6 +7666,14 @@
             </a:r>
             <a:r>
               <a:rPr lang="zh-TW" altLang="en-US" dirty="0" smtClean="0"/>
+              <a:t>的</a:t>
+            </a:r>
+            <a:r>
+              <a:rPr lang="en-US" altLang="zh-TW" dirty="0" smtClean="0"/>
+              <a:t>cookie</a:t>
+            </a:r>
+            <a:r>
+              <a:rPr lang="zh-TW" altLang="en-US" dirty="0" smtClean="0"/>
               <a:t>，才能成功抓取資料；</a:t>
             </a:r>
             <a:r>
@@ -7990,8 +7998,15 @@
             </a:r>
             <a:r>
               <a:rPr lang="zh-TW" altLang="en-US" dirty="0"/>
-              <a:t>追加每條命令到日誌來持久化）</a:t>
-            </a:r>
+              <a:t>追加每條命令到日誌來持久化</a:t>
+            </a:r>
+            <a:r>
+              <a:rPr lang="zh-TW" altLang="en-US" dirty="0" smtClean="0"/>
+              <a:t>）</a:t>
+            </a:r>
+            <a:endParaRPr lang="en-US" altLang="zh-TW" dirty="0" smtClean="0"/>
+          </a:p>
+          <a:p>
             <a:endParaRPr lang="zh-TW" altLang="en-US" dirty="0"/>
           </a:p>
         </p:txBody>
@@ -8175,9 +8190,12 @@
             </a:r>
             <a:r>
               <a:rPr lang="zh-TW" altLang="en-US" dirty="0" smtClean="0"/>
-              <a:t>資料型態</a:t>
-            </a:r>
-            <a:endParaRPr lang="zh-TW" altLang="en-US" dirty="0"/>
+              <a:t>資料</a:t>
+            </a:r>
+            <a:r>
+              <a:rPr lang="zh-TW" altLang="en-US" dirty="0"/>
+              <a:t>結構</a:t>
+            </a:r>
           </a:p>
         </p:txBody>
       </p:sp>
@@ -8364,10 +8382,9 @@
               <a:t>也是</a:t>
             </a:r>
             <a:r>
-              <a:rPr lang="en-US" altLang="zh-TW" smtClean="0"/>
+              <a:rPr lang="en-US" altLang="zh-TW" dirty="0" smtClean="0"/>
               <a:t>512MB</a:t>
             </a:r>
-            <a:endParaRPr lang="en-US" altLang="zh-TW" dirty="0" smtClean="0"/>
           </a:p>
           <a:p>
             <a:r>
@@ -8375,8 +8392,12 @@
               <a:t>value </a:t>
             </a:r>
             <a:r>
+              <a:rPr lang="zh-TW" altLang="en-US" dirty="0" smtClean="0"/>
+              <a:t>不僅可以</a:t>
+            </a:r>
+            <a:r>
               <a:rPr lang="zh-TW" altLang="en-US" dirty="0"/>
-              <a:t>不僅可以是</a:t>
+              <a:t>是</a:t>
             </a:r>
             <a:r>
               <a:rPr lang="en-US" altLang="zh-TW" dirty="0"/>
@@ -8384,8 +8405,61 @@
             </a:r>
             <a:r>
               <a:rPr lang="zh-TW" altLang="en-US" dirty="0"/>
-              <a:t>，也可以是數字</a:t>
-            </a:r>
+              <a:t>，也可以是</a:t>
+            </a:r>
+            <a:r>
+              <a:rPr lang="zh-TW" altLang="en-US" dirty="0" smtClean="0"/>
+              <a:t>數字</a:t>
+            </a:r>
+            <a:endParaRPr lang="en-US" altLang="zh-TW" dirty="0" smtClean="0"/>
+          </a:p>
+          <a:p>
+            <a:endParaRPr lang="en-US" altLang="zh-TW" dirty="0" smtClean="0"/>
+          </a:p>
+          <a:p>
+            <a:r>
+              <a:rPr lang="zh-TW" altLang="en-US" dirty="0"/>
+              <a:t>常用指令</a:t>
+            </a:r>
+            <a:r>
+              <a:rPr lang="en-US" altLang="zh-TW" dirty="0" smtClean="0"/>
+              <a:t>:</a:t>
+            </a:r>
+          </a:p>
+          <a:p>
+            <a:pPr lvl="1"/>
+            <a:r>
+              <a:rPr lang="en-US" altLang="zh-TW" dirty="0" smtClean="0"/>
+              <a:t>Set</a:t>
+            </a:r>
+            <a:r>
+              <a:rPr lang="zh-TW" altLang="en-US" dirty="0" smtClean="0"/>
+              <a:t>：</a:t>
+            </a:r>
+            <a:r>
+              <a:rPr lang="en-US" altLang="zh-TW" dirty="0"/>
+              <a:t>SET name "</a:t>
+            </a:r>
+            <a:r>
+              <a:rPr lang="en-US" altLang="zh-TW" dirty="0" smtClean="0"/>
+              <a:t>w3cschool.cc“</a:t>
+            </a:r>
+          </a:p>
+          <a:p>
+            <a:pPr lvl="1"/>
+            <a:r>
+              <a:rPr lang="en-US" altLang="zh-TW" dirty="0" smtClean="0"/>
+              <a:t>Get</a:t>
+            </a:r>
+            <a:r>
+              <a:rPr lang="zh-TW" altLang="en-US" dirty="0" smtClean="0"/>
+              <a:t>：</a:t>
+            </a:r>
+            <a:r>
+              <a:rPr lang="en-US" altLang="zh-TW" dirty="0"/>
+              <a:t>GET name</a:t>
+            </a:r>
+            <a:endParaRPr lang="en-US" altLang="zh-TW" dirty="0"/>
           </a:p>
         </p:txBody>
       </p:sp>
@@ -8462,15 +8536,13 @@
           <a:p>
             <a:r>
               <a:rPr lang="zh-TW" altLang="en-US" dirty="0" smtClean="0"/>
-              <a:t>一個</a:t>
-            </a:r>
-            <a:r>
-              <a:rPr lang="zh-TW" altLang="en-US" dirty="0"/>
-              <a:t>鍵值對</a:t>
-            </a:r>
-            <a:r>
-              <a:rPr lang="zh-TW" altLang="en-US" dirty="0" smtClean="0"/>
-              <a:t>集合</a:t>
+              <a:t>一個鍵值對</a:t>
+            </a:r>
+            <a:r>
+              <a:rPr lang="zh-TW" altLang="en-US" dirty="0" smtClean="0">
+                <a:latin typeface="+mn-ea"/>
+              </a:rPr>
+              <a:t>集合，按照插入順序排序</a:t>
             </a:r>
             <a:endParaRPr lang="en-US" altLang="zh-TW" dirty="0" smtClean="0"/>
           </a:p>
@@ -8489,8 +8561,82 @@
             </a:r>
             <a:r>
               <a:rPr lang="zh-TW" altLang="en-US" dirty="0"/>
-              <a:t>列表添加元素</a:t>
-            </a:r>
+              <a:t>列表添加</a:t>
+            </a:r>
+            <a:r>
+              <a:rPr lang="zh-TW" altLang="en-US" dirty="0" smtClean="0"/>
+              <a:t>元素</a:t>
+            </a:r>
+            <a:endParaRPr lang="en-US" altLang="zh-TW" dirty="0" smtClean="0"/>
+          </a:p>
+          <a:p>
+            <a:endParaRPr lang="en-US" altLang="zh-TW" dirty="0"/>
+          </a:p>
+          <a:p>
+            <a:r>
+              <a:rPr lang="zh-TW" altLang="en-US" dirty="0"/>
+              <a:t>常用指令</a:t>
+            </a:r>
+            <a:r>
+              <a:rPr lang="en-US" altLang="zh-TW" dirty="0"/>
+              <a:t>:</a:t>
+            </a:r>
+          </a:p>
+          <a:p>
+            <a:pPr lvl="1"/>
+            <a:r>
+              <a:rPr lang="en-US" altLang="zh-TW" dirty="0" err="1" smtClean="0"/>
+              <a:t>Lpush</a:t>
+            </a:r>
+            <a:r>
+              <a:rPr lang="zh-TW" altLang="en-US" dirty="0" smtClean="0"/>
+              <a:t>：</a:t>
+            </a:r>
+            <a:r>
+              <a:rPr lang="en-US" altLang="zh-TW" dirty="0" err="1" smtClean="0"/>
+              <a:t>lpush</a:t>
+            </a:r>
+            <a:r>
+              <a:rPr lang="en-US" altLang="zh-TW" dirty="0" smtClean="0"/>
+              <a:t> </a:t>
+            </a:r>
+            <a:r>
+              <a:rPr lang="en-US" altLang="zh-TW" dirty="0"/>
+              <a:t>w3cschool.cc </a:t>
+            </a:r>
+            <a:r>
+              <a:rPr lang="en-US" altLang="zh-TW" dirty="0" err="1" smtClean="0"/>
+              <a:t>redis</a:t>
+            </a:r>
+            <a:endParaRPr lang="en-US" altLang="zh-TW" dirty="0" smtClean="0"/>
+          </a:p>
+          <a:p>
+            <a:pPr lvl="1"/>
+            <a:r>
+              <a:rPr lang="en-US" altLang="zh-TW" dirty="0" err="1"/>
+              <a:t>lrange</a:t>
+            </a:r>
+            <a:r>
+              <a:rPr lang="en-US" altLang="zh-TW" dirty="0"/>
+              <a:t> </a:t>
+            </a:r>
+            <a:r>
+              <a:rPr lang="zh-TW" altLang="en-US" dirty="0" smtClean="0"/>
+              <a:t>：</a:t>
+            </a:r>
+            <a:r>
+              <a:rPr lang="en-US" altLang="zh-TW" dirty="0" err="1" smtClean="0"/>
+              <a:t>lrange</a:t>
+            </a:r>
+            <a:r>
+              <a:rPr lang="en-US" altLang="zh-TW" dirty="0" smtClean="0"/>
+              <a:t> </a:t>
+            </a:r>
+            <a:r>
+              <a:rPr lang="en-US" altLang="zh-TW" dirty="0"/>
+              <a:t>w3cschool.cc 0 10</a:t>
+            </a:r>
+            <a:endParaRPr lang="zh-TW" altLang="en-US" dirty="0"/>
           </a:p>
         </p:txBody>
       </p:sp>
@@ -8572,12 +8718,80 @@
             </a:r>
             <a:r>
               <a:rPr lang="zh-TW" altLang="en-US" dirty="0"/>
-              <a:t>一系列不重复的值存儲成一個</a:t>
+              <a:t>一系列不</a:t>
+            </a:r>
+            <a:r>
+              <a:rPr lang="zh-TW" altLang="en-US" dirty="0" smtClean="0"/>
+              <a:t>重複的</a:t>
+            </a:r>
+            <a:r>
+              <a:rPr lang="zh-TW" altLang="en-US" dirty="0"/>
+              <a:t>值存儲成一個</a:t>
             </a:r>
             <a:r>
               <a:rPr lang="zh-TW" altLang="en-US" dirty="0" smtClean="0"/>
               <a:t>集合</a:t>
             </a:r>
+            <a:endParaRPr lang="en-US" altLang="zh-TW" dirty="0" smtClean="0"/>
+          </a:p>
+          <a:p>
+            <a:endParaRPr lang="en-US" altLang="zh-TW" dirty="0"/>
+          </a:p>
+          <a:p>
+            <a:r>
+              <a:rPr lang="zh-TW" altLang="en-US" dirty="0"/>
+              <a:t>常用指令</a:t>
+            </a:r>
+            <a:r>
+              <a:rPr lang="en-US" altLang="zh-TW" dirty="0"/>
+              <a:t>:</a:t>
+            </a:r>
+          </a:p>
+          <a:p>
+            <a:pPr lvl="1"/>
+            <a:r>
+              <a:rPr lang="en-US" altLang="zh-TW" dirty="0" err="1" smtClean="0"/>
+              <a:t>Sadd</a:t>
+            </a:r>
+            <a:r>
+              <a:rPr lang="zh-TW" altLang="en-US" dirty="0" smtClean="0"/>
+              <a:t>：</a:t>
+            </a:r>
+            <a:r>
+              <a:rPr lang="en-US" altLang="zh-TW" dirty="0" err="1"/>
+              <a:t>sadd</a:t>
+            </a:r>
+            <a:r>
+              <a:rPr lang="en-US" altLang="zh-TW" dirty="0"/>
+              <a:t> w3cschool.cc </a:t>
+            </a:r>
+            <a:r>
+              <a:rPr lang="en-US" altLang="zh-TW" dirty="0" err="1"/>
+              <a:t>redis</a:t>
+            </a:r>
+            <a:endParaRPr lang="en-US" altLang="zh-TW" dirty="0" smtClean="0"/>
+          </a:p>
+          <a:p>
+            <a:pPr lvl="1"/>
+            <a:r>
+              <a:rPr lang="en-US" altLang="zh-TW" dirty="0" err="1" smtClean="0"/>
+              <a:t>Smembers</a:t>
+            </a:r>
+            <a:r>
+              <a:rPr lang="zh-TW" altLang="en-US" dirty="0" smtClean="0"/>
+              <a:t>：</a:t>
+            </a:r>
+            <a:r>
+              <a:rPr lang="en-US" altLang="zh-TW" dirty="0" err="1"/>
+              <a:t>smembers</a:t>
+            </a:r>
+            <a:r>
+              <a:rPr lang="en-US" altLang="zh-TW" dirty="0"/>
+              <a:t> w3cschool.cc</a:t>
+            </a:r>
+            <a:endParaRPr lang="en-US" altLang="zh-TW" dirty="0"/>
+          </a:p>
+          <a:p>
             <a:endParaRPr lang="en-US" altLang="zh-TW" dirty="0" smtClean="0"/>
           </a:p>
         </p:txBody>
@@ -8764,8 +8978,20 @@
               <a:t>Sorted Sets</a:t>
             </a:r>
             <a:r>
+              <a:rPr lang="zh-TW" altLang="en-US" dirty="0" smtClean="0"/>
+              <a:t>中的</a:t>
+            </a:r>
+            <a:r>
               <a:rPr lang="zh-TW" altLang="en-US" dirty="0"/>
-              <a:t>中的數據會有一個</a:t>
+              <a:t>資料</a:t>
+            </a:r>
+            <a:r>
+              <a:rPr lang="zh-TW" altLang="en-US" dirty="0" smtClean="0"/>
+              <a:t>會</a:t>
+            </a:r>
+            <a:r>
+              <a:rPr lang="zh-TW" altLang="en-US" dirty="0"/>
+              <a:t>有一個</a:t>
             </a:r>
             <a:r>
               <a:rPr lang="en-US" altLang="zh-TW" dirty="0"/>
@@ -8781,8 +9007,88 @@
             </a:r>
             <a:r>
               <a:rPr lang="zh-TW" altLang="en-US" dirty="0"/>
-              <a:t>排好序。</a:t>
-            </a:r>
+              <a:t>排好序</a:t>
+            </a:r>
+            <a:r>
+              <a:rPr lang="zh-TW" altLang="en-US" dirty="0" smtClean="0"/>
+              <a:t>。</a:t>
+            </a:r>
+            <a:endParaRPr lang="en-US" altLang="zh-TW" dirty="0" smtClean="0"/>
+          </a:p>
+          <a:p>
+            <a:endParaRPr lang="en-US" altLang="zh-TW" dirty="0"/>
+          </a:p>
+          <a:p>
+            <a:r>
+              <a:rPr lang="zh-TW" altLang="en-US" dirty="0"/>
+              <a:t>常用指令</a:t>
+            </a:r>
+            <a:r>
+              <a:rPr lang="en-US" altLang="zh-TW" dirty="0"/>
+              <a:t>:</a:t>
+            </a:r>
+          </a:p>
+          <a:p>
+            <a:pPr lvl="1"/>
+            <a:r>
+              <a:rPr lang="en-US" altLang="zh-TW" dirty="0" err="1" smtClean="0"/>
+              <a:t>Zadd</a:t>
+            </a:r>
+            <a:r>
+              <a:rPr lang="zh-TW" altLang="en-US" dirty="0" smtClean="0"/>
+              <a:t>：</a:t>
+            </a:r>
+            <a:r>
+              <a:rPr lang="en-US" altLang="zh-TW" dirty="0" err="1" smtClean="0"/>
+              <a:t>zadd</a:t>
+            </a:r>
+            <a:r>
+              <a:rPr lang="en-US" altLang="zh-TW" dirty="0" smtClean="0"/>
+              <a:t> </a:t>
+            </a:r>
+            <a:r>
+              <a:rPr lang="en-US" altLang="zh-TW" dirty="0"/>
+              <a:t>w3cschool.cc 0 </a:t>
+            </a:r>
+            <a:r>
+              <a:rPr lang="en-US" altLang="zh-TW" dirty="0" err="1" smtClean="0"/>
+              <a:t>redis</a:t>
+            </a:r>
+            <a:endParaRPr lang="en-US" altLang="zh-TW" dirty="0" smtClean="0"/>
+          </a:p>
+          <a:p>
+            <a:pPr lvl="1"/>
+            <a:r>
+              <a:rPr lang="en-US" altLang="zh-TW" dirty="0" smtClean="0">
+                <a:cs typeface="Times New Roman" pitchFamily="18" charset="0"/>
+              </a:rPr>
+              <a:t>ZRANGEBYSCORE</a:t>
+            </a:r>
+            <a:r>
+              <a:rPr lang="zh-TW" altLang="en-US" dirty="0" smtClean="0">
+                <a:cs typeface="Times New Roman" pitchFamily="18" charset="0"/>
+              </a:rPr>
+              <a:t>：</a:t>
+            </a:r>
+            <a:r>
+              <a:rPr lang="en-US" altLang="zh-TW" dirty="0" smtClean="0">
+                <a:cs typeface="Times New Roman" pitchFamily="18" charset="0"/>
+              </a:rPr>
+              <a:t>ZRANGEBYSCORE </a:t>
+            </a:r>
+            <a:r>
+              <a:rPr lang="en-US" altLang="zh-TW" dirty="0">
+                <a:cs typeface="Times New Roman" pitchFamily="18" charset="0"/>
+              </a:rPr>
+              <a:t>w3cschool.cc </a:t>
+            </a:r>
+            <a:r>
+              <a:rPr lang="en-US" altLang="zh-TW" smtClean="0">
+                <a:cs typeface="Times New Roman" pitchFamily="18" charset="0"/>
+              </a:rPr>
+              <a:t>0 6</a:t>
+            </a:r>
+            <a:endParaRPr lang="zh-TW" altLang="en-US" dirty="0"/>
           </a:p>
         </p:txBody>
       </p:sp>
@@ -8871,24 +9177,102 @@
             </a:r>
             <a:r>
               <a:rPr lang="zh-TW" altLang="en-US" dirty="0"/>
-              <a:t>對多個屬性的數據</a:t>
+              <a:t>對多個屬性</a:t>
+            </a:r>
+            <a:r>
+              <a:rPr lang="zh-TW" altLang="en-US" dirty="0" smtClean="0"/>
+              <a:t>的</a:t>
+            </a:r>
+            <a:r>
+              <a:rPr lang="zh-TW" altLang="en-US" dirty="0" smtClean="0"/>
+              <a:t>資料</a:t>
+            </a:r>
+            <a:endParaRPr lang="en-US" altLang="zh-TW" dirty="0" smtClean="0"/>
+          </a:p>
+          <a:p>
+            <a:endParaRPr lang="en-US" altLang="zh-TW" dirty="0" smtClean="0"/>
+          </a:p>
+          <a:p>
+            <a:r>
+              <a:rPr lang="zh-TW" altLang="en-US" dirty="0"/>
+              <a:t>常用指令</a:t>
             </a:r>
             <a:r>
               <a:rPr lang="en-US" altLang="zh-TW" dirty="0"/>
-              <a:t>(</a:t>
+              <a:t>:</a:t>
+            </a:r>
+          </a:p>
+          <a:p>
+            <a:pPr lvl="1"/>
+            <a:r>
+              <a:rPr lang="en-US" altLang="zh-TW" dirty="0" err="1" smtClean="0"/>
+              <a:t>Hmset</a:t>
+            </a:r>
+            <a:r>
+              <a:rPr lang="zh-TW" altLang="en-US" dirty="0" smtClean="0"/>
+              <a:t>：</a:t>
+            </a:r>
+            <a:r>
+              <a:rPr lang="en-US" altLang="zh-TW" dirty="0"/>
+              <a:t>HMSET user:1 username w3cschool.cc </a:t>
+            </a:r>
+            <a:r>
+              <a:rPr lang="en-US" altLang="zh-TW" dirty="0" smtClean="0"/>
+              <a:t>			password </a:t>
+            </a:r>
+            <a:r>
+              <a:rPr lang="en-US" altLang="zh-TW" dirty="0"/>
+              <a:t>w3cschool.cc points 200</a:t>
+            </a:r>
+            <a:endParaRPr lang="en-US" altLang="zh-TW" dirty="0" smtClean="0"/>
+          </a:p>
+          <a:p>
+            <a:pPr lvl="1"/>
+            <a:r>
+              <a:rPr lang="en-US" altLang="zh-TW" dirty="0" err="1" smtClean="0"/>
+              <a:t>Hget</a:t>
+            </a:r>
+            <a:r>
+              <a:rPr lang="zh-TW" altLang="en-US" dirty="0" smtClean="0"/>
+              <a:t>：</a:t>
+            </a:r>
+            <a:r>
+              <a:rPr lang="en-US" altLang="zh-TW" dirty="0"/>
+              <a:t>HGETALL </a:t>
+            </a:r>
+            <a:r>
+              <a:rPr lang="en-US" altLang="zh-TW" dirty="0" smtClean="0"/>
+              <a:t>user:1</a:t>
             </a:r>
             <a:r>
               <a:rPr lang="zh-TW" altLang="en-US" dirty="0"/>
-              <a:t>比如</a:t>
+              <a:t> </a:t>
             </a:r>
             <a:r>
               <a:rPr lang="en-US" altLang="zh-TW" dirty="0"/>
-              <a:t>user1.uname user1.passwd</a:t>
-            </a:r>
-            <a:r>
-              <a:rPr lang="en-US" altLang="zh-TW" dirty="0" smtClean="0"/>
-              <a:t>)</a:t>
-            </a:r>
+              <a:t>username</a:t>
+            </a:r>
+            <a:endParaRPr lang="en-US" altLang="zh-TW" dirty="0" smtClean="0"/>
+          </a:p>
+          <a:p>
+            <a:pPr lvl="1"/>
+            <a:r>
+              <a:rPr lang="en-US" altLang="zh-TW" dirty="0" err="1" smtClean="0"/>
+              <a:t>Hgetall</a:t>
+            </a:r>
+            <a:r>
+              <a:rPr lang="zh-TW" altLang="en-US" dirty="0" smtClean="0"/>
+              <a:t>：</a:t>
+            </a:r>
+            <a:r>
+              <a:rPr lang="en-US" altLang="zh-TW" dirty="0"/>
+              <a:t>HGETALL user:1</a:t>
+            </a:r>
+            <a:endParaRPr lang="en-US" altLang="zh-TW" dirty="0" smtClean="0"/>
+          </a:p>
+          <a:p>
+            <a:pPr lvl="1"/>
+            <a:endParaRPr lang="en-US" altLang="zh-TW" dirty="0" smtClean="0"/>
           </a:p>
         </p:txBody>
       </p:sp>
@@ -9025,7 +9409,23 @@
             </a:r>
             <a:r>
               <a:rPr lang="zh-TW" altLang="en-US" dirty="0" smtClean="0"/>
-              <a:t>使用，受益良多。</a:t>
+              <a:t>基礎使用，未來期許能學習到更多的</a:t>
+            </a:r>
+            <a:r>
+              <a:rPr lang="en-US" altLang="zh-TW" dirty="0" err="1" smtClean="0"/>
+              <a:t>redis</a:t>
+            </a:r>
+            <a:r>
+              <a:rPr lang="zh-TW" altLang="en-US" dirty="0" smtClean="0"/>
+              <a:t>指令和其他</a:t>
+            </a:r>
+            <a:r>
+              <a:rPr lang="en-US" altLang="zh-TW" dirty="0" err="1" smtClean="0"/>
+              <a:t>Nosql</a:t>
+            </a:r>
+            <a:r>
+              <a:rPr lang="zh-TW" altLang="en-US" dirty="0" smtClean="0"/>
+              <a:t>。</a:t>
             </a:r>
             <a:endParaRPr lang="zh-TW" altLang="en-US" dirty="0"/>
           </a:p>
@@ -9544,11 +9944,7 @@
             </a:r>
             <a:r>
               <a:rPr lang="zh-TW" altLang="en-US" dirty="0" smtClean="0"/>
-              <a:t>偽造</a:t>
-            </a:r>
-            <a:r>
-              <a:rPr lang="zh-TW" altLang="en-US" dirty="0" smtClean="0"/>
-              <a:t>請求</a:t>
+              <a:t>偽造請求</a:t>
             </a:r>
             <a:endParaRPr lang="en-US" altLang="zh-TW" dirty="0" smtClean="0"/>
           </a:p>
